--- a/parousiasi.pptx
+++ b/parousiasi.pptx
@@ -6,11 +6,12 @@
   </p:sldMasterIdLst>
   <p:sldIdLst>
     <p:sldId id="256" r:id="rId2"/>
-    <p:sldId id="257" r:id="rId3"/>
-    <p:sldId id="258" r:id="rId4"/>
-    <p:sldId id="260" r:id="rId5"/>
-    <p:sldId id="259" r:id="rId6"/>
-    <p:sldId id="261" r:id="rId7"/>
+    <p:sldId id="262" r:id="rId3"/>
+    <p:sldId id="257" r:id="rId4"/>
+    <p:sldId id="258" r:id="rId5"/>
+    <p:sldId id="260" r:id="rId6"/>
+    <p:sldId id="259" r:id="rId7"/>
+    <p:sldId id="261" r:id="rId8"/>
   </p:sldIdLst>
   <p:sldSz cx="12192000" cy="6858000"/>
   <p:notesSz cx="6858000" cy="9144000"/>
@@ -3433,7 +3434,13 @@
   <p:cSld>
     <p:spTree>
       <p:nvGrpSpPr>
-        <p:cNvPr id="1" name=""/>
+        <p:cNvPr id="1" name="">
+          <a:extLst>
+            <a:ext uri="{FF2B5EF4-FFF2-40B4-BE49-F238E27FC236}">
+              <a16:creationId xmlns:a16="http://schemas.microsoft.com/office/drawing/2014/main" id="{FEABCDC2-F617-7B07-6990-4FE8414EDA39}"/>
+            </a:ext>
+          </a:extLst>
+        </p:cNvPr>
         <p:cNvGrpSpPr/>
         <p:nvPr/>
       </p:nvGrpSpPr>
@@ -3450,7 +3457,7 @@
           <p:cNvPr id="2" name="Τίτλος 1">
             <a:extLst>
               <a:ext uri="{FF2B5EF4-FFF2-40B4-BE49-F238E27FC236}">
-                <a16:creationId xmlns:a16="http://schemas.microsoft.com/office/drawing/2014/main" id="{59CB0728-DD5E-3149-DEEE-969CB9883F01}"/>
+                <a16:creationId xmlns:a16="http://schemas.microsoft.com/office/drawing/2014/main" id="{2FDB0EEF-30EA-04FC-EF2B-B568F9FA6A81}"/>
               </a:ext>
             </a:extLst>
           </p:cNvPr>
@@ -3492,7 +3499,7 @@
           <p:cNvPr id="3" name="Θέση περιεχομένου 2">
             <a:extLst>
               <a:ext uri="{FF2B5EF4-FFF2-40B4-BE49-F238E27FC236}">
-                <a16:creationId xmlns:a16="http://schemas.microsoft.com/office/drawing/2014/main" id="{A0D2C5A5-F779-E25F-153E-53F1E373806A}"/>
+                <a16:creationId xmlns:a16="http://schemas.microsoft.com/office/drawing/2014/main" id="{AA8357C0-78E2-683A-F812-D81D47C876BC}"/>
               </a:ext>
             </a:extLst>
           </p:cNvPr>
@@ -3505,7 +3512,7 @@
         </p:nvSpPr>
         <p:spPr>
           <a:xfrm>
-            <a:off x="943583" y="1480452"/>
+            <a:off x="992222" y="1441541"/>
             <a:ext cx="9951396" cy="4871710"/>
           </a:xfrm>
         </p:spPr>
@@ -3517,76 +3524,108 @@
           <a:p>
             <a:r>
               <a:rPr lang="el-GR" dirty="0"/>
-              <a:t>Οργανωμένο Κάμπινγκ:</a:t>
+              <a:t>Χρήστες:</a:t>
             </a:r>
           </a:p>
           <a:p>
             <a:pPr lvl="1"/>
             <a:r>
               <a:rPr lang="el-GR" dirty="0"/>
-              <a:t>Διαχειριστής:</a:t>
-            </a:r>
-          </a:p>
-          <a:p>
-            <a:pPr lvl="6"/>
+              <a:t> [</a:t>
+            </a:r>
+            <a:r>
+              <a:rPr lang="el-GR" dirty="0" err="1"/>
+              <a:t>Υπευθυνος</a:t>
+            </a:r>
             <a:r>
               <a:rPr lang="el-GR" dirty="0"/>
-              <a:t>Διαχείριση των </a:t>
-            </a:r>
-            <a:r>
-              <a:rPr lang="el-GR" dirty="0" err="1"/>
-              <a:t>υπάρχοντων</a:t>
-            </a:r>
-            <a:r>
-              <a:rPr lang="el-GR" dirty="0"/>
-              <a:t> κρατήσεων (προβολή επεξεργασία, διαγραφή)</a:t>
-            </a:r>
-          </a:p>
-          <a:p>
-            <a:pPr lvl="6"/>
-            <a:r>
-              <a:rPr lang="el-GR" dirty="0"/>
-              <a:t>Διαχείριση των χώρων του </a:t>
+              <a:t> </a:t>
             </a:r>
             <a:r>
               <a:rPr lang="el-GR" dirty="0" err="1"/>
               <a:t>καμπινγκ</a:t>
             </a:r>
+            <a:r>
+              <a:rPr lang="el-GR" dirty="0"/>
+              <a:t>]:</a:t>
+            </a:r>
+          </a:p>
+          <a:p>
+            <a:pPr lvl="6"/>
+            <a:r>
+              <a:rPr lang="el-GR" dirty="0"/>
+              <a:t>50 χρονών,  υπεύθυνος για αρκετά χρόνια του </a:t>
+            </a:r>
+            <a:r>
+              <a:rPr lang="el-GR" dirty="0" err="1"/>
+              <a:t>καμπινγκ</a:t>
+            </a:r>
             <a:endParaRPr lang="el-GR" dirty="0"/>
           </a:p>
           <a:p>
             <a:pPr lvl="6"/>
             <a:r>
               <a:rPr lang="el-GR" dirty="0"/>
-              <a:t>Προβολή και αλλαγή της διαθεσιμότητας </a:t>
+              <a:t>Κρατάει τα δεδομένα του κάμπινγκ σε τοπικό λογιστικό φύλλο στον Η/Υ και «</a:t>
+            </a:r>
+            <a:r>
+              <a:rPr lang="el-GR" dirty="0" err="1"/>
+              <a:t>πέρναει</a:t>
+            </a:r>
+            <a:r>
+              <a:rPr lang="el-GR" dirty="0"/>
+              <a:t>» χειροκίνητα κάθε κράτηση σε αυτό. Λόγω τον περιορισμών αυτής της μεθόδου επιθυμεί να εγκαταλείψει αυτήν την μέθοδο για μια πιο σύγχρονη αλλά όχι πιο περίπλοκη. </a:t>
+            </a:r>
+          </a:p>
+          <a:p>
+            <a:pPr lvl="6"/>
+            <a:r>
+              <a:rPr lang="el-GR" dirty="0"/>
+              <a:t>Αναγνωρίζει τις δυνατότητες που προσφέρει το </a:t>
+            </a:r>
+            <a:r>
+              <a:rPr lang="en-US" dirty="0"/>
+              <a:t>Internet </a:t>
+            </a:r>
+            <a:r>
+              <a:rPr lang="el-GR" dirty="0"/>
+              <a:t>και επιθυμεί να το δοκιμάσει για να αυξήσει την πελατεία του</a:t>
             </a:r>
           </a:p>
           <a:p>
             <a:pPr lvl="1"/>
             <a:r>
               <a:rPr lang="el-GR" dirty="0"/>
-              <a:t>Πελάτης:</a:t>
+              <a:t>[</a:t>
+            </a:r>
+            <a:r>
+              <a:rPr lang="el-GR" dirty="0" err="1"/>
+              <a:t>Ονομα</a:t>
+            </a:r>
+            <a:r>
+              <a:rPr lang="el-GR" dirty="0"/>
+              <a:t> Πελάτη]:</a:t>
             </a:r>
           </a:p>
           <a:p>
             <a:pPr lvl="6"/>
             <a:r>
               <a:rPr lang="el-GR" dirty="0"/>
-              <a:t>Νέα Κράτηση</a:t>
+              <a:t>23 χρονών, φοιτητής, λάτρης του οργανωμένου και του ελεύθερου κάμπινγκ</a:t>
             </a:r>
           </a:p>
           <a:p>
             <a:pPr lvl="6"/>
             <a:r>
               <a:rPr lang="el-GR" dirty="0"/>
-              <a:t>Προβολή παλιότερων κρατήσεων</a:t>
+              <a:t>Προτιμάει τους χώρους οργανωμένου κάμπινγκ που μπορεί εύκολα να κάνει κράτηση σε αυτά- ακόμα και σε ώρες εκτός του συνηθισμένου  ωράριού λειτουργίας.</a:t>
             </a:r>
           </a:p>
           <a:p>
             <a:pPr lvl="6"/>
             <a:r>
               <a:rPr lang="el-GR" dirty="0"/>
-              <a:t>Επικοινωνία με τους υπεύθυνους</a:t>
+              <a:t>Διευκολύνεται στην επιλογή οργανωμένου κάμπινγκ όταν αναφέρουν τις υπηρεσίες που προσφέρουν, καθώς και αυτούς που διαθέτουν φωτογραφίες από τους χώρους.</a:t>
             </a:r>
           </a:p>
           <a:p>
@@ -3600,7 +3639,7 @@
     </p:spTree>
     <p:extLst>
       <p:ext uri="{BB962C8B-B14F-4D97-AF65-F5344CB8AC3E}">
-        <p14:creationId xmlns:p14="http://schemas.microsoft.com/office/powerpoint/2010/main" val="3021612280"/>
+        <p14:creationId xmlns:p14="http://schemas.microsoft.com/office/powerpoint/2010/main" val="4036116657"/>
       </p:ext>
     </p:extLst>
   </p:cSld>
@@ -3627,12 +3666,194 @@
           <a:chExt cx="0" cy="0"/>
         </a:xfrm>
       </p:grpSpPr>
+      <p:sp>
+        <p:nvSpPr>
+          <p:cNvPr id="2" name="Τίτλος 1">
+            <a:extLst>
+              <a:ext uri="{FF2B5EF4-FFF2-40B4-BE49-F238E27FC236}">
+                <a16:creationId xmlns:a16="http://schemas.microsoft.com/office/drawing/2014/main" id="{59CB0728-DD5E-3149-DEEE-969CB9883F01}"/>
+              </a:ext>
+            </a:extLst>
+          </p:cNvPr>
+          <p:cNvSpPr>
+            <a:spLocks noGrp="1"/>
+          </p:cNvSpPr>
+          <p:nvPr>
+            <p:ph type="title"/>
+          </p:nvPr>
+        </p:nvSpPr>
+        <p:spPr>
+          <a:xfrm>
+            <a:off x="2231136" y="157297"/>
+            <a:ext cx="7729728" cy="1188720"/>
+          </a:xfrm>
+        </p:spPr>
+        <p:txBody>
+          <a:bodyPr/>
+          <a:lstStyle/>
+          <a:p>
+            <a:r>
+              <a:rPr lang="el-GR" dirty="0" err="1"/>
+              <a:t>Αναλυση</a:t>
+            </a:r>
+            <a:r>
+              <a:rPr lang="el-GR" dirty="0"/>
+              <a:t> </a:t>
+            </a:r>
+            <a:r>
+              <a:rPr lang="el-GR" dirty="0" err="1"/>
+              <a:t>απαιτησεων</a:t>
+            </a:r>
+            <a:endParaRPr lang="el-GR" dirty="0"/>
+          </a:p>
+        </p:txBody>
+      </p:sp>
+      <p:sp>
+        <p:nvSpPr>
+          <p:cNvPr id="3" name="Θέση περιεχομένου 2">
+            <a:extLst>
+              <a:ext uri="{FF2B5EF4-FFF2-40B4-BE49-F238E27FC236}">
+                <a16:creationId xmlns:a16="http://schemas.microsoft.com/office/drawing/2014/main" id="{A0D2C5A5-F779-E25F-153E-53F1E373806A}"/>
+              </a:ext>
+            </a:extLst>
+          </p:cNvPr>
+          <p:cNvSpPr>
+            <a:spLocks noGrp="1"/>
+          </p:cNvSpPr>
+          <p:nvPr>
+            <p:ph idx="1"/>
+          </p:nvPr>
+        </p:nvSpPr>
+        <p:spPr>
+          <a:xfrm>
+            <a:off x="992222" y="1441541"/>
+            <a:ext cx="9951396" cy="4871710"/>
+          </a:xfrm>
+        </p:spPr>
+        <p:txBody>
+          <a:bodyPr>
+            <a:normAutofit/>
+          </a:bodyPr>
+          <a:lstStyle/>
+          <a:p>
+            <a:r>
+              <a:rPr lang="el-GR" dirty="0"/>
+              <a:t>Οργανωμένο Κάμπινγκ:</a:t>
+            </a:r>
+          </a:p>
+          <a:p>
+            <a:pPr lvl="1"/>
+            <a:r>
+              <a:rPr lang="el-GR" dirty="0"/>
+              <a:t>Διαχειριστής:</a:t>
+            </a:r>
+          </a:p>
+          <a:p>
+            <a:pPr lvl="6"/>
+            <a:r>
+              <a:rPr lang="el-GR" dirty="0"/>
+              <a:t>Διαχείριση των </a:t>
+            </a:r>
+            <a:r>
+              <a:rPr lang="el-GR" dirty="0" err="1"/>
+              <a:t>υπάρχοντων</a:t>
+            </a:r>
+            <a:r>
+              <a:rPr lang="el-GR" dirty="0"/>
+              <a:t> κρατήσεων (προβολή επεξεργασία, διαγραφή)</a:t>
+            </a:r>
+          </a:p>
+          <a:p>
+            <a:pPr lvl="6"/>
+            <a:r>
+              <a:rPr lang="el-GR" dirty="0"/>
+              <a:t>Διαχείριση των χώρων του </a:t>
+            </a:r>
+            <a:r>
+              <a:rPr lang="el-GR" dirty="0" err="1"/>
+              <a:t>καμπινγκ</a:t>
+            </a:r>
+            <a:endParaRPr lang="el-GR" dirty="0"/>
+          </a:p>
+          <a:p>
+            <a:pPr lvl="6"/>
+            <a:r>
+              <a:rPr lang="el-GR" dirty="0"/>
+              <a:t>Προβολή και αλλαγή της διαθεσιμότητας </a:t>
+            </a:r>
+          </a:p>
+          <a:p>
+            <a:pPr lvl="1"/>
+            <a:r>
+              <a:rPr lang="el-GR" dirty="0"/>
+              <a:t>Πελάτης:</a:t>
+            </a:r>
+          </a:p>
+          <a:p>
+            <a:pPr lvl="6"/>
+            <a:r>
+              <a:rPr lang="el-GR" dirty="0"/>
+              <a:t>Νέα Κράτηση</a:t>
+            </a:r>
+          </a:p>
+          <a:p>
+            <a:pPr lvl="6"/>
+            <a:r>
+              <a:rPr lang="el-GR" dirty="0"/>
+              <a:t>Προβολή παλιότερων κρατήσεων</a:t>
+            </a:r>
+          </a:p>
+          <a:p>
+            <a:pPr lvl="6"/>
+            <a:r>
+              <a:rPr lang="el-GR" dirty="0"/>
+              <a:t>Επικοινωνία με τους υπεύθυνους</a:t>
+            </a:r>
+          </a:p>
+          <a:p>
+            <a:pPr marL="1255713" lvl="6" indent="0">
+              <a:buNone/>
+            </a:pPr>
+            <a:endParaRPr lang="el-GR" dirty="0"/>
+          </a:p>
+        </p:txBody>
+      </p:sp>
+    </p:spTree>
+    <p:extLst>
+      <p:ext uri="{BB962C8B-B14F-4D97-AF65-F5344CB8AC3E}">
+        <p14:creationId xmlns:p14="http://schemas.microsoft.com/office/powerpoint/2010/main" val="3021612280"/>
+      </p:ext>
+    </p:extLst>
+  </p:cSld>
+  <p:clrMapOvr>
+    <a:masterClrMapping/>
+  </p:clrMapOvr>
+</p:sld>
+</file>
+
+<file path=ppt/slides/slide4.xml><?xml version="1.0" encoding="utf-8"?>
+<p:sld xmlns:a="http://schemas.openxmlformats.org/drawingml/2006/main" xmlns:r="http://schemas.openxmlformats.org/officeDocument/2006/relationships" xmlns:p="http://schemas.openxmlformats.org/presentationml/2006/main">
+  <p:cSld>
+    <p:spTree>
+      <p:nvGrpSpPr>
+        <p:cNvPr id="1" name=""/>
+        <p:cNvGrpSpPr/>
+        <p:nvPr/>
+      </p:nvGrpSpPr>
+      <p:grpSpPr>
+        <a:xfrm>
+          <a:off x="0" y="0"/>
+          <a:ext cx="0" cy="0"/>
+          <a:chOff x="0" y="0"/>
+          <a:chExt cx="0" cy="0"/>
+        </a:xfrm>
+      </p:grpSpPr>
       <p:pic>
         <p:nvPicPr>
-          <p:cNvPr id="7" name="Εικόνα 6" descr="Εικόνα που περιέχει σχεδίαση&#10;&#10;Το περιεχόμενο που δημιουργείται από τεχνολογία AI ενδέχεται να είναι εσφαλμένο.">
+          <p:cNvPr id="5" name="Εικόνα 4" descr="Εικόνα που περιέχει διάγραμμα&#10;&#10;Το περιεχόμενο που δημιουργείται από τεχνολογία AI ενδέχεται να είναι εσφαλμένο.">
             <a:extLst>
               <a:ext uri="{FF2B5EF4-FFF2-40B4-BE49-F238E27FC236}">
-                <a16:creationId xmlns:a16="http://schemas.microsoft.com/office/drawing/2014/main" id="{AD082642-7E04-2D3B-69E7-23DF65A2BC5A}"/>
+                <a16:creationId xmlns:a16="http://schemas.microsoft.com/office/drawing/2014/main" id="{65C4EE0F-F703-996D-89A0-26880304850C}"/>
               </a:ext>
             </a:extLst>
           </p:cNvPr>
@@ -3655,8 +3876,8 @@
         </p:blipFill>
         <p:spPr>
           <a:xfrm>
-            <a:off x="0" y="145915"/>
-            <a:ext cx="12192000" cy="5828631"/>
+            <a:off x="0" y="1096058"/>
+            <a:ext cx="13490742" cy="3936776"/>
           </a:xfrm>
           <a:prstGeom prst="rect">
             <a:avLst/>
@@ -3676,7 +3897,7 @@
 </p:sld>
 </file>
 
-<file path=ppt/slides/slide4.xml><?xml version="1.0" encoding="utf-8"?>
+<file path=ppt/slides/slide5.xml><?xml version="1.0" encoding="utf-8"?>
 <p:sld xmlns:a="http://schemas.openxmlformats.org/drawingml/2006/main" xmlns:r="http://schemas.openxmlformats.org/officeDocument/2006/relationships" xmlns:p="http://schemas.openxmlformats.org/presentationml/2006/main">
   <p:cSld>
     <p:spTree>
@@ -3742,7 +3963,7 @@
 </p:sld>
 </file>
 
-<file path=ppt/slides/slide5.xml><?xml version="1.0" encoding="utf-8"?>
+<file path=ppt/slides/slide6.xml><?xml version="1.0" encoding="utf-8"?>
 <p:sld xmlns:a="http://schemas.openxmlformats.org/drawingml/2006/main" xmlns:r="http://schemas.openxmlformats.org/officeDocument/2006/relationships" xmlns:p="http://schemas.openxmlformats.org/presentationml/2006/main">
   <p:cSld>
     <p:spTree>
@@ -3789,6 +4010,66 @@
           </a:prstGeom>
         </p:spPr>
       </p:pic>
+    </p:spTree>
+    <p:extLst>
+      <p:ext uri="{BB962C8B-B14F-4D97-AF65-F5344CB8AC3E}">
+        <p14:creationId xmlns:p14="http://schemas.microsoft.com/office/powerpoint/2010/main" val="1609501894"/>
+      </p:ext>
+    </p:extLst>
+  </p:cSld>
+  <p:clrMapOvr>
+    <a:masterClrMapping/>
+  </p:clrMapOvr>
+</p:sld>
+</file>
+
+<file path=ppt/slides/slide7.xml><?xml version="1.0" encoding="utf-8"?>
+<p:sld xmlns:a="http://schemas.openxmlformats.org/drawingml/2006/main" xmlns:r="http://schemas.openxmlformats.org/officeDocument/2006/relationships" xmlns:p="http://schemas.openxmlformats.org/presentationml/2006/main">
+  <p:cSld>
+    <p:spTree>
+      <p:nvGrpSpPr>
+        <p:cNvPr id="1" name=""/>
+        <p:cNvGrpSpPr/>
+        <p:nvPr/>
+      </p:nvGrpSpPr>
+      <p:grpSpPr>
+        <a:xfrm>
+          <a:off x="0" y="0"/>
+          <a:ext cx="0" cy="0"/>
+          <a:chOff x="0" y="0"/>
+          <a:chExt cx="0" cy="0"/>
+        </a:xfrm>
+      </p:grpSpPr>
+      <p:pic>
+        <p:nvPicPr>
+          <p:cNvPr id="4" name="Εικόνα 3">
+            <a:extLst>
+              <a:ext uri="{FF2B5EF4-FFF2-40B4-BE49-F238E27FC236}">
+                <a16:creationId xmlns:a16="http://schemas.microsoft.com/office/drawing/2014/main" id="{44C204A5-6535-7115-886F-1E7BBCC011B5}"/>
+              </a:ext>
+            </a:extLst>
+          </p:cNvPr>
+          <p:cNvPicPr>
+            <a:picLocks noChangeAspect="1"/>
+          </p:cNvPicPr>
+          <p:nvPr/>
+        </p:nvPicPr>
+        <p:blipFill>
+          <a:blip r:embed="rId2"/>
+          <a:stretch>
+            <a:fillRect/>
+          </a:stretch>
+        </p:blipFill>
+        <p:spPr>
+          <a:xfrm>
+            <a:off x="7188777" y="0"/>
+            <a:ext cx="5003223" cy="6858000"/>
+          </a:xfrm>
+          <a:prstGeom prst="rect">
+            <a:avLst/>
+          </a:prstGeom>
+        </p:spPr>
+      </p:pic>
       <p:pic>
         <p:nvPicPr>
           <p:cNvPr id="11" name="Εικόνα 10">
@@ -3811,93 +4092,8 @@
         </p:blipFill>
         <p:spPr>
           <a:xfrm>
-            <a:off x="6335175" y="2899305"/>
-            <a:ext cx="5861265" cy="4032794"/>
-          </a:xfrm>
-          <a:prstGeom prst="rect">
-            <a:avLst/>
-          </a:prstGeom>
-        </p:spPr>
-      </p:pic>
-    </p:spTree>
-    <p:extLst>
-      <p:ext uri="{BB962C8B-B14F-4D97-AF65-F5344CB8AC3E}">
-        <p14:creationId xmlns:p14="http://schemas.microsoft.com/office/powerpoint/2010/main" val="1609501894"/>
-      </p:ext>
-    </p:extLst>
-  </p:cSld>
-  <p:clrMapOvr>
-    <a:masterClrMapping/>
-  </p:clrMapOvr>
-</p:sld>
-</file>
-
-<file path=ppt/slides/slide6.xml><?xml version="1.0" encoding="utf-8"?>
-<p:sld xmlns:a="http://schemas.openxmlformats.org/drawingml/2006/main" xmlns:r="http://schemas.openxmlformats.org/officeDocument/2006/relationships" xmlns:p="http://schemas.openxmlformats.org/presentationml/2006/main">
-  <p:cSld>
-    <p:spTree>
-      <p:nvGrpSpPr>
-        <p:cNvPr id="1" name=""/>
-        <p:cNvGrpSpPr/>
-        <p:nvPr/>
-      </p:nvGrpSpPr>
-      <p:grpSpPr>
-        <a:xfrm>
-          <a:off x="0" y="0"/>
-          <a:ext cx="0" cy="0"/>
-          <a:chOff x="0" y="0"/>
-          <a:chExt cx="0" cy="0"/>
-        </a:xfrm>
-      </p:grpSpPr>
-      <p:sp>
-        <p:nvSpPr>
-          <p:cNvPr id="3" name="Θέση περιεχομένου 2">
-            <a:extLst>
-              <a:ext uri="{FF2B5EF4-FFF2-40B4-BE49-F238E27FC236}">
-                <a16:creationId xmlns:a16="http://schemas.microsoft.com/office/drawing/2014/main" id="{E26D788D-C492-7DAD-6A39-514575260F3C}"/>
-              </a:ext>
-            </a:extLst>
-          </p:cNvPr>
-          <p:cNvSpPr>
-            <a:spLocks noGrp="1"/>
-          </p:cNvSpPr>
-          <p:nvPr>
-            <p:ph idx="1"/>
-          </p:nvPr>
-        </p:nvSpPr>
-        <p:spPr/>
-        <p:txBody>
-          <a:bodyPr/>
-          <a:lstStyle/>
-          <a:p>
-            <a:endParaRPr lang="el-GR"/>
-          </a:p>
-        </p:txBody>
-      </p:sp>
-      <p:pic>
-        <p:nvPicPr>
-          <p:cNvPr id="5" name="Εικόνα 4">
-            <a:extLst>
-              <a:ext uri="{FF2B5EF4-FFF2-40B4-BE49-F238E27FC236}">
-                <a16:creationId xmlns:a16="http://schemas.microsoft.com/office/drawing/2014/main" id="{7948E139-2B12-CFD0-8091-B9AA18E26566}"/>
-              </a:ext>
-            </a:extLst>
-          </p:cNvPr>
-          <p:cNvPicPr>
-            <a:picLocks noChangeAspect="1"/>
-          </p:cNvPicPr>
-          <p:nvPr/>
-        </p:nvPicPr>
-        <p:blipFill>
-          <a:blip r:embed="rId2"/>
-          <a:stretch>
-            <a:fillRect/>
-          </a:stretch>
-        </p:blipFill>
-        <p:spPr>
-          <a:xfrm>
-            <a:off x="0" y="0"/>
-            <a:ext cx="12192000" cy="5999765"/>
+            <a:off x="0" y="-1"/>
+            <a:ext cx="7083076" cy="4873451"/>
           </a:xfrm>
           <a:prstGeom prst="rect">
             <a:avLst/>

--- a/parousiasi.pptx
+++ b/parousiasi.pptx
@@ -6,12 +6,13 @@
   </p:sldMasterIdLst>
   <p:sldIdLst>
     <p:sldId id="256" r:id="rId2"/>
-    <p:sldId id="262" r:id="rId3"/>
-    <p:sldId id="257" r:id="rId4"/>
-    <p:sldId id="258" r:id="rId5"/>
-    <p:sldId id="260" r:id="rId6"/>
-    <p:sldId id="259" r:id="rId7"/>
-    <p:sldId id="261" r:id="rId8"/>
+    <p:sldId id="263" r:id="rId3"/>
+    <p:sldId id="262" r:id="rId4"/>
+    <p:sldId id="257" r:id="rId5"/>
+    <p:sldId id="258" r:id="rId6"/>
+    <p:sldId id="260" r:id="rId7"/>
+    <p:sldId id="259" r:id="rId8"/>
+    <p:sldId id="261" r:id="rId9"/>
   </p:sldIdLst>
   <p:sldSz cx="12192000" cy="6858000"/>
   <p:notesSz cx="6858000" cy="9144000"/>
@@ -281,7 +282,7 @@
           <a:p>
             <a:fld id="{2AC5E35D-4AFF-4A47-AC2E-5A901689C2E5}" type="datetimeFigureOut">
               <a:rPr lang="el-GR" smtClean="0"/>
-              <a:t>28/3/2025</a:t>
+              <a:t>29/3/2025</a:t>
             </a:fld>
             <a:endParaRPr lang="el-GR"/>
           </a:p>
@@ -451,7 +452,7 @@
           <a:p>
             <a:fld id="{2AC5E35D-4AFF-4A47-AC2E-5A901689C2E5}" type="datetimeFigureOut">
               <a:rPr lang="el-GR" smtClean="0"/>
-              <a:t>28/3/2025</a:t>
+              <a:t>29/3/2025</a:t>
             </a:fld>
             <a:endParaRPr lang="el-GR"/>
           </a:p>
@@ -631,7 +632,7 @@
           <a:p>
             <a:fld id="{2AC5E35D-4AFF-4A47-AC2E-5A901689C2E5}" type="datetimeFigureOut">
               <a:rPr lang="el-GR" smtClean="0"/>
-              <a:t>28/3/2025</a:t>
+              <a:t>29/3/2025</a:t>
             </a:fld>
             <a:endParaRPr lang="el-GR"/>
           </a:p>
@@ -801,7 +802,7 @@
           <a:p>
             <a:fld id="{2AC5E35D-4AFF-4A47-AC2E-5A901689C2E5}" type="datetimeFigureOut">
               <a:rPr lang="el-GR" smtClean="0"/>
-              <a:t>28/3/2025</a:t>
+              <a:t>29/3/2025</a:t>
             </a:fld>
             <a:endParaRPr lang="el-GR"/>
           </a:p>
@@ -1069,7 +1070,7 @@
           <a:p>
             <a:fld id="{2AC5E35D-4AFF-4A47-AC2E-5A901689C2E5}" type="datetimeFigureOut">
               <a:rPr lang="el-GR" smtClean="0"/>
-              <a:t>28/3/2025</a:t>
+              <a:t>29/3/2025</a:t>
             </a:fld>
             <a:endParaRPr lang="el-GR"/>
           </a:p>
@@ -1301,7 +1302,7 @@
           <a:p>
             <a:fld id="{2AC5E35D-4AFF-4A47-AC2E-5A901689C2E5}" type="datetimeFigureOut">
               <a:rPr lang="el-GR" smtClean="0"/>
-              <a:t>28/3/2025</a:t>
+              <a:t>29/3/2025</a:t>
             </a:fld>
             <a:endParaRPr lang="el-GR"/>
           </a:p>
@@ -1660,7 +1661,7 @@
           <a:p>
             <a:fld id="{2AC5E35D-4AFF-4A47-AC2E-5A901689C2E5}" type="datetimeFigureOut">
               <a:rPr lang="el-GR" smtClean="0"/>
-              <a:t>28/3/2025</a:t>
+              <a:t>29/3/2025</a:t>
             </a:fld>
             <a:endParaRPr lang="el-GR"/>
           </a:p>
@@ -1801,7 +1802,7 @@
           <a:p>
             <a:fld id="{2AC5E35D-4AFF-4A47-AC2E-5A901689C2E5}" type="datetimeFigureOut">
               <a:rPr lang="el-GR" smtClean="0"/>
-              <a:t>28/3/2025</a:t>
+              <a:t>29/3/2025</a:t>
             </a:fld>
             <a:endParaRPr lang="el-GR"/>
           </a:p>
@@ -1896,7 +1897,7 @@
           <a:p>
             <a:fld id="{2AC5E35D-4AFF-4A47-AC2E-5A901689C2E5}" type="datetimeFigureOut">
               <a:rPr lang="el-GR" smtClean="0"/>
-              <a:t>28/3/2025</a:t>
+              <a:t>29/3/2025</a:t>
             </a:fld>
             <a:endParaRPr lang="el-GR"/>
           </a:p>
@@ -2253,7 +2254,7 @@
           <a:p>
             <a:fld id="{2AC5E35D-4AFF-4A47-AC2E-5A901689C2E5}" type="datetimeFigureOut">
               <a:rPr lang="el-GR" smtClean="0"/>
-              <a:t>28/3/2025</a:t>
+              <a:t>29/3/2025</a:t>
             </a:fld>
             <a:endParaRPr lang="el-GR"/>
           </a:p>
@@ -2610,7 +2611,7 @@
           <a:p>
             <a:fld id="{2AC5E35D-4AFF-4A47-AC2E-5A901689C2E5}" type="datetimeFigureOut">
               <a:rPr lang="el-GR" smtClean="0"/>
-              <a:t>28/3/2025</a:t>
+              <a:t>29/3/2025</a:t>
             </a:fld>
             <a:endParaRPr lang="el-GR"/>
           </a:p>
@@ -2852,7 +2853,7 @@
           <a:p>
             <a:fld id="{2AC5E35D-4AFF-4A47-AC2E-5A901689C2E5}" type="datetimeFigureOut">
               <a:rPr lang="el-GR" smtClean="0"/>
-              <a:t>28/3/2025</a:t>
+              <a:t>29/3/2025</a:t>
             </a:fld>
             <a:endParaRPr lang="el-GR"/>
           </a:p>
@@ -3434,6 +3435,138 @@
   <p:cSld>
     <p:spTree>
       <p:nvGrpSpPr>
+        <p:cNvPr id="1" name=""/>
+        <p:cNvGrpSpPr/>
+        <p:nvPr/>
+      </p:nvGrpSpPr>
+      <p:grpSpPr>
+        <a:xfrm>
+          <a:off x="0" y="0"/>
+          <a:ext cx="0" cy="0"/>
+          <a:chOff x="0" y="0"/>
+          <a:chExt cx="0" cy="0"/>
+        </a:xfrm>
+      </p:grpSpPr>
+      <p:sp>
+        <p:nvSpPr>
+          <p:cNvPr id="2" name="Τίτλος 1">
+            <a:extLst>
+              <a:ext uri="{FF2B5EF4-FFF2-40B4-BE49-F238E27FC236}">
+                <a16:creationId xmlns:a16="http://schemas.microsoft.com/office/drawing/2014/main" id="{CF7C3FF0-3705-4558-ABB5-E893BC9A9722}"/>
+              </a:ext>
+            </a:extLst>
+          </p:cNvPr>
+          <p:cNvSpPr>
+            <a:spLocks noGrp="1"/>
+          </p:cNvSpPr>
+          <p:nvPr>
+            <p:ph type="title"/>
+          </p:nvPr>
+        </p:nvSpPr>
+        <p:spPr>
+          <a:xfrm>
+            <a:off x="2231136" y="374292"/>
+            <a:ext cx="7729728" cy="1188720"/>
+          </a:xfrm>
+        </p:spPr>
+        <p:txBody>
+          <a:bodyPr/>
+          <a:lstStyle/>
+          <a:p>
+            <a:r>
+              <a:rPr lang="el-GR" dirty="0" err="1"/>
+              <a:t>Αναλυση</a:t>
+            </a:r>
+            <a:r>
+              <a:rPr lang="el-GR" dirty="0"/>
+              <a:t> </a:t>
+            </a:r>
+            <a:r>
+              <a:rPr lang="el-GR" dirty="0" err="1"/>
+              <a:t>απαιτησεων</a:t>
+            </a:r>
+            <a:endParaRPr lang="el-GR" dirty="0"/>
+          </a:p>
+        </p:txBody>
+      </p:sp>
+      <p:pic>
+        <p:nvPicPr>
+          <p:cNvPr id="6" name="Εικόνα 5">
+            <a:extLst>
+              <a:ext uri="{FF2B5EF4-FFF2-40B4-BE49-F238E27FC236}">
+                <a16:creationId xmlns:a16="http://schemas.microsoft.com/office/drawing/2014/main" id="{1838AF99-64E1-4F97-B425-716B111F6FC1}"/>
+              </a:ext>
+            </a:extLst>
+          </p:cNvPr>
+          <p:cNvPicPr>
+            <a:picLocks noChangeAspect="1"/>
+          </p:cNvPicPr>
+          <p:nvPr/>
+        </p:nvPicPr>
+        <p:blipFill>
+          <a:blip r:embed="rId2"/>
+          <a:stretch>
+            <a:fillRect/>
+          </a:stretch>
+        </p:blipFill>
+        <p:spPr>
+          <a:xfrm>
+            <a:off x="812773" y="2344464"/>
+            <a:ext cx="4899482" cy="3689136"/>
+          </a:xfrm>
+          <a:prstGeom prst="rect">
+            <a:avLst/>
+          </a:prstGeom>
+        </p:spPr>
+      </p:pic>
+      <p:pic>
+        <p:nvPicPr>
+          <p:cNvPr id="8" name="Εικόνα 7">
+            <a:extLst>
+              <a:ext uri="{FF2B5EF4-FFF2-40B4-BE49-F238E27FC236}">
+                <a16:creationId xmlns:a16="http://schemas.microsoft.com/office/drawing/2014/main" id="{81DAF852-F380-4026-9D5A-1A07D9017975}"/>
+              </a:ext>
+            </a:extLst>
+          </p:cNvPr>
+          <p:cNvPicPr>
+            <a:picLocks noChangeAspect="1"/>
+          </p:cNvPicPr>
+          <p:nvPr/>
+        </p:nvPicPr>
+        <p:blipFill>
+          <a:blip r:embed="rId3"/>
+          <a:stretch>
+            <a:fillRect/>
+          </a:stretch>
+        </p:blipFill>
+        <p:spPr>
+          <a:xfrm>
+            <a:off x="6615482" y="2279664"/>
+            <a:ext cx="4380000" cy="3691714"/>
+          </a:xfrm>
+          <a:prstGeom prst="rect">
+            <a:avLst/>
+          </a:prstGeom>
+        </p:spPr>
+      </p:pic>
+    </p:spTree>
+    <p:extLst>
+      <p:ext uri="{BB962C8B-B14F-4D97-AF65-F5344CB8AC3E}">
+        <p14:creationId xmlns:p14="http://schemas.microsoft.com/office/powerpoint/2010/main" val="4031617346"/>
+      </p:ext>
+    </p:extLst>
+  </p:cSld>
+  <p:clrMapOvr>
+    <a:masterClrMapping/>
+  </p:clrMapOvr>
+</p:sld>
+</file>
+
+<file path=ppt/slides/slide3.xml><?xml version="1.0" encoding="utf-8"?>
+<p:sld xmlns:a="http://schemas.openxmlformats.org/drawingml/2006/main" xmlns:r="http://schemas.openxmlformats.org/officeDocument/2006/relationships" xmlns:p="http://schemas.openxmlformats.org/presentationml/2006/main">
+  <p:cSld>
+    <p:spTree>
+      <p:nvGrpSpPr>
         <p:cNvPr id="1" name="">
           <a:extLst>
             <a:ext uri="{FF2B5EF4-FFF2-40B4-BE49-F238E27FC236}">
@@ -3649,7 +3782,7 @@
 </p:sld>
 </file>
 
-<file path=ppt/slides/slide3.xml><?xml version="1.0" encoding="utf-8"?>
+<file path=ppt/slides/slide4.xml><?xml version="1.0" encoding="utf-8"?>
 <p:sld xmlns:a="http://schemas.openxmlformats.org/drawingml/2006/main" xmlns:r="http://schemas.openxmlformats.org/officeDocument/2006/relationships" xmlns:p="http://schemas.openxmlformats.org/presentationml/2006/main">
   <p:cSld>
     <p:spTree>
@@ -3684,7 +3817,7 @@
         </p:nvSpPr>
         <p:spPr>
           <a:xfrm>
-            <a:off x="2231136" y="157297"/>
+            <a:off x="2103056" y="164497"/>
             <a:ext cx="7729728" cy="1188720"/>
           </a:xfrm>
         </p:spPr>
@@ -3831,7 +3964,7 @@
 </p:sld>
 </file>
 
-<file path=ppt/slides/slide4.xml><?xml version="1.0" encoding="utf-8"?>
+<file path=ppt/slides/slide5.xml><?xml version="1.0" encoding="utf-8"?>
 <p:sld xmlns:a="http://schemas.openxmlformats.org/drawingml/2006/main" xmlns:r="http://schemas.openxmlformats.org/officeDocument/2006/relationships" xmlns:p="http://schemas.openxmlformats.org/presentationml/2006/main">
   <p:cSld>
     <p:spTree>
@@ -3897,7 +4030,7 @@
 </p:sld>
 </file>
 
-<file path=ppt/slides/slide5.xml><?xml version="1.0" encoding="utf-8"?>
+<file path=ppt/slides/slide6.xml><?xml version="1.0" encoding="utf-8"?>
 <p:sld xmlns:a="http://schemas.openxmlformats.org/drawingml/2006/main" xmlns:r="http://schemas.openxmlformats.org/officeDocument/2006/relationships" xmlns:p="http://schemas.openxmlformats.org/presentationml/2006/main">
   <p:cSld>
     <p:spTree>
@@ -3963,7 +4096,7 @@
 </p:sld>
 </file>
 
-<file path=ppt/slides/slide6.xml><?xml version="1.0" encoding="utf-8"?>
+<file path=ppt/slides/slide7.xml><?xml version="1.0" encoding="utf-8"?>
 <p:sld xmlns:a="http://schemas.openxmlformats.org/drawingml/2006/main" xmlns:r="http://schemas.openxmlformats.org/officeDocument/2006/relationships" xmlns:p="http://schemas.openxmlformats.org/presentationml/2006/main">
   <p:cSld>
     <p:spTree>
@@ -4023,7 +4156,7 @@
 </p:sld>
 </file>
 
-<file path=ppt/slides/slide7.xml><?xml version="1.0" encoding="utf-8"?>
+<file path=ppt/slides/slide8.xml><?xml version="1.0" encoding="utf-8"?>
 <p:sld xmlns:a="http://schemas.openxmlformats.org/drawingml/2006/main" xmlns:r="http://schemas.openxmlformats.org/officeDocument/2006/relationships" xmlns:p="http://schemas.openxmlformats.org/presentationml/2006/main">
   <p:cSld>
     <p:spTree>

--- a/parousiasi.pptx
+++ b/parousiasi.pptx
@@ -7,12 +7,9 @@
   <p:sldIdLst>
     <p:sldId id="256" r:id="rId2"/>
     <p:sldId id="263" r:id="rId3"/>
-    <p:sldId id="262" r:id="rId4"/>
-    <p:sldId id="257" r:id="rId5"/>
-    <p:sldId id="258" r:id="rId6"/>
-    <p:sldId id="260" r:id="rId7"/>
-    <p:sldId id="259" r:id="rId8"/>
-    <p:sldId id="261" r:id="rId9"/>
+    <p:sldId id="257" r:id="rId4"/>
+    <p:sldId id="258" r:id="rId5"/>
+    <p:sldId id="260" r:id="rId6"/>
   </p:sldIdLst>
   <p:sldSz cx="12192000" cy="6858000"/>
   <p:notesSz cx="6858000" cy="9144000"/>
@@ -282,7 +279,7 @@
           <a:p>
             <a:fld id="{2AC5E35D-4AFF-4A47-AC2E-5A901689C2E5}" type="datetimeFigureOut">
               <a:rPr lang="el-GR" smtClean="0"/>
-              <a:t>29/3/2025</a:t>
+              <a:t>30/3/2025</a:t>
             </a:fld>
             <a:endParaRPr lang="el-GR"/>
           </a:p>
@@ -452,7 +449,7 @@
           <a:p>
             <a:fld id="{2AC5E35D-4AFF-4A47-AC2E-5A901689C2E5}" type="datetimeFigureOut">
               <a:rPr lang="el-GR" smtClean="0"/>
-              <a:t>29/3/2025</a:t>
+              <a:t>30/3/2025</a:t>
             </a:fld>
             <a:endParaRPr lang="el-GR"/>
           </a:p>
@@ -632,7 +629,7 @@
           <a:p>
             <a:fld id="{2AC5E35D-4AFF-4A47-AC2E-5A901689C2E5}" type="datetimeFigureOut">
               <a:rPr lang="el-GR" smtClean="0"/>
-              <a:t>29/3/2025</a:t>
+              <a:t>30/3/2025</a:t>
             </a:fld>
             <a:endParaRPr lang="el-GR"/>
           </a:p>
@@ -802,7 +799,7 @@
           <a:p>
             <a:fld id="{2AC5E35D-4AFF-4A47-AC2E-5A901689C2E5}" type="datetimeFigureOut">
               <a:rPr lang="el-GR" smtClean="0"/>
-              <a:t>29/3/2025</a:t>
+              <a:t>30/3/2025</a:t>
             </a:fld>
             <a:endParaRPr lang="el-GR"/>
           </a:p>
@@ -1070,7 +1067,7 @@
           <a:p>
             <a:fld id="{2AC5E35D-4AFF-4A47-AC2E-5A901689C2E5}" type="datetimeFigureOut">
               <a:rPr lang="el-GR" smtClean="0"/>
-              <a:t>29/3/2025</a:t>
+              <a:t>30/3/2025</a:t>
             </a:fld>
             <a:endParaRPr lang="el-GR"/>
           </a:p>
@@ -1302,7 +1299,7 @@
           <a:p>
             <a:fld id="{2AC5E35D-4AFF-4A47-AC2E-5A901689C2E5}" type="datetimeFigureOut">
               <a:rPr lang="el-GR" smtClean="0"/>
-              <a:t>29/3/2025</a:t>
+              <a:t>30/3/2025</a:t>
             </a:fld>
             <a:endParaRPr lang="el-GR"/>
           </a:p>
@@ -1661,7 +1658,7 @@
           <a:p>
             <a:fld id="{2AC5E35D-4AFF-4A47-AC2E-5A901689C2E5}" type="datetimeFigureOut">
               <a:rPr lang="el-GR" smtClean="0"/>
-              <a:t>29/3/2025</a:t>
+              <a:t>30/3/2025</a:t>
             </a:fld>
             <a:endParaRPr lang="el-GR"/>
           </a:p>
@@ -1802,7 +1799,7 @@
           <a:p>
             <a:fld id="{2AC5E35D-4AFF-4A47-AC2E-5A901689C2E5}" type="datetimeFigureOut">
               <a:rPr lang="el-GR" smtClean="0"/>
-              <a:t>29/3/2025</a:t>
+              <a:t>30/3/2025</a:t>
             </a:fld>
             <a:endParaRPr lang="el-GR"/>
           </a:p>
@@ -1897,7 +1894,7 @@
           <a:p>
             <a:fld id="{2AC5E35D-4AFF-4A47-AC2E-5A901689C2E5}" type="datetimeFigureOut">
               <a:rPr lang="el-GR" smtClean="0"/>
-              <a:t>29/3/2025</a:t>
+              <a:t>30/3/2025</a:t>
             </a:fld>
             <a:endParaRPr lang="el-GR"/>
           </a:p>
@@ -2254,7 +2251,7 @@
           <a:p>
             <a:fld id="{2AC5E35D-4AFF-4A47-AC2E-5A901689C2E5}" type="datetimeFigureOut">
               <a:rPr lang="el-GR" smtClean="0"/>
-              <a:t>29/3/2025</a:t>
+              <a:t>30/3/2025</a:t>
             </a:fld>
             <a:endParaRPr lang="el-GR"/>
           </a:p>
@@ -2611,7 +2608,7 @@
           <a:p>
             <a:fld id="{2AC5E35D-4AFF-4A47-AC2E-5A901689C2E5}" type="datetimeFigureOut">
               <a:rPr lang="el-GR" smtClean="0"/>
-              <a:t>29/3/2025</a:t>
+              <a:t>30/3/2025</a:t>
             </a:fld>
             <a:endParaRPr lang="el-GR"/>
           </a:p>
@@ -2853,7 +2850,7 @@
           <a:p>
             <a:fld id="{2AC5E35D-4AFF-4A47-AC2E-5A901689C2E5}" type="datetimeFigureOut">
               <a:rPr lang="el-GR" smtClean="0"/>
-              <a:t>29/3/2025</a:t>
+              <a:t>30/3/2025</a:t>
             </a:fld>
             <a:endParaRPr lang="el-GR"/>
           </a:p>
@@ -3567,226 +3564,6 @@
   <p:cSld>
     <p:spTree>
       <p:nvGrpSpPr>
-        <p:cNvPr id="1" name="">
-          <a:extLst>
-            <a:ext uri="{FF2B5EF4-FFF2-40B4-BE49-F238E27FC236}">
-              <a16:creationId xmlns:a16="http://schemas.microsoft.com/office/drawing/2014/main" id="{FEABCDC2-F617-7B07-6990-4FE8414EDA39}"/>
-            </a:ext>
-          </a:extLst>
-        </p:cNvPr>
-        <p:cNvGrpSpPr/>
-        <p:nvPr/>
-      </p:nvGrpSpPr>
-      <p:grpSpPr>
-        <a:xfrm>
-          <a:off x="0" y="0"/>
-          <a:ext cx="0" cy="0"/>
-          <a:chOff x="0" y="0"/>
-          <a:chExt cx="0" cy="0"/>
-        </a:xfrm>
-      </p:grpSpPr>
-      <p:sp>
-        <p:nvSpPr>
-          <p:cNvPr id="2" name="Τίτλος 1">
-            <a:extLst>
-              <a:ext uri="{FF2B5EF4-FFF2-40B4-BE49-F238E27FC236}">
-                <a16:creationId xmlns:a16="http://schemas.microsoft.com/office/drawing/2014/main" id="{2FDB0EEF-30EA-04FC-EF2B-B568F9FA6A81}"/>
-              </a:ext>
-            </a:extLst>
-          </p:cNvPr>
-          <p:cNvSpPr>
-            <a:spLocks noGrp="1"/>
-          </p:cNvSpPr>
-          <p:nvPr>
-            <p:ph type="title"/>
-          </p:nvPr>
-        </p:nvSpPr>
-        <p:spPr>
-          <a:xfrm>
-            <a:off x="2231136" y="157297"/>
-            <a:ext cx="7729728" cy="1188720"/>
-          </a:xfrm>
-        </p:spPr>
-        <p:txBody>
-          <a:bodyPr/>
-          <a:lstStyle/>
-          <a:p>
-            <a:r>
-              <a:rPr lang="el-GR" dirty="0" err="1"/>
-              <a:t>Αναλυση</a:t>
-            </a:r>
-            <a:r>
-              <a:rPr lang="el-GR" dirty="0"/>
-              <a:t> </a:t>
-            </a:r>
-            <a:r>
-              <a:rPr lang="el-GR" dirty="0" err="1"/>
-              <a:t>απαιτησεων</a:t>
-            </a:r>
-            <a:endParaRPr lang="el-GR" dirty="0"/>
-          </a:p>
-        </p:txBody>
-      </p:sp>
-      <p:sp>
-        <p:nvSpPr>
-          <p:cNvPr id="3" name="Θέση περιεχομένου 2">
-            <a:extLst>
-              <a:ext uri="{FF2B5EF4-FFF2-40B4-BE49-F238E27FC236}">
-                <a16:creationId xmlns:a16="http://schemas.microsoft.com/office/drawing/2014/main" id="{AA8357C0-78E2-683A-F812-D81D47C876BC}"/>
-              </a:ext>
-            </a:extLst>
-          </p:cNvPr>
-          <p:cNvSpPr>
-            <a:spLocks noGrp="1"/>
-          </p:cNvSpPr>
-          <p:nvPr>
-            <p:ph idx="1"/>
-          </p:nvPr>
-        </p:nvSpPr>
-        <p:spPr>
-          <a:xfrm>
-            <a:off x="992222" y="1441541"/>
-            <a:ext cx="9951396" cy="4871710"/>
-          </a:xfrm>
-        </p:spPr>
-        <p:txBody>
-          <a:bodyPr>
-            <a:normAutofit/>
-          </a:bodyPr>
-          <a:lstStyle/>
-          <a:p>
-            <a:r>
-              <a:rPr lang="el-GR" dirty="0"/>
-              <a:t>Χρήστες:</a:t>
-            </a:r>
-          </a:p>
-          <a:p>
-            <a:pPr lvl="1"/>
-            <a:r>
-              <a:rPr lang="el-GR" dirty="0"/>
-              <a:t> [</a:t>
-            </a:r>
-            <a:r>
-              <a:rPr lang="el-GR" dirty="0" err="1"/>
-              <a:t>Υπευθυνος</a:t>
-            </a:r>
-            <a:r>
-              <a:rPr lang="el-GR" dirty="0"/>
-              <a:t> </a:t>
-            </a:r>
-            <a:r>
-              <a:rPr lang="el-GR" dirty="0" err="1"/>
-              <a:t>καμπινγκ</a:t>
-            </a:r>
-            <a:r>
-              <a:rPr lang="el-GR" dirty="0"/>
-              <a:t>]:</a:t>
-            </a:r>
-          </a:p>
-          <a:p>
-            <a:pPr lvl="6"/>
-            <a:r>
-              <a:rPr lang="el-GR" dirty="0"/>
-              <a:t>50 χρονών,  υπεύθυνος για αρκετά χρόνια του </a:t>
-            </a:r>
-            <a:r>
-              <a:rPr lang="el-GR" dirty="0" err="1"/>
-              <a:t>καμπινγκ</a:t>
-            </a:r>
-            <a:endParaRPr lang="el-GR" dirty="0"/>
-          </a:p>
-          <a:p>
-            <a:pPr lvl="6"/>
-            <a:r>
-              <a:rPr lang="el-GR" dirty="0"/>
-              <a:t>Κρατάει τα δεδομένα του κάμπινγκ σε τοπικό λογιστικό φύλλο στον Η/Υ και «</a:t>
-            </a:r>
-            <a:r>
-              <a:rPr lang="el-GR" dirty="0" err="1"/>
-              <a:t>πέρναει</a:t>
-            </a:r>
-            <a:r>
-              <a:rPr lang="el-GR" dirty="0"/>
-              <a:t>» χειροκίνητα κάθε κράτηση σε αυτό. Λόγω τον περιορισμών αυτής της μεθόδου επιθυμεί να εγκαταλείψει αυτήν την μέθοδο για μια πιο σύγχρονη αλλά όχι πιο περίπλοκη. </a:t>
-            </a:r>
-          </a:p>
-          <a:p>
-            <a:pPr lvl="6"/>
-            <a:r>
-              <a:rPr lang="el-GR" dirty="0"/>
-              <a:t>Αναγνωρίζει τις δυνατότητες που προσφέρει το </a:t>
-            </a:r>
-            <a:r>
-              <a:rPr lang="en-US" dirty="0"/>
-              <a:t>Internet </a:t>
-            </a:r>
-            <a:r>
-              <a:rPr lang="el-GR" dirty="0"/>
-              <a:t>και επιθυμεί να το δοκιμάσει για να αυξήσει την πελατεία του</a:t>
-            </a:r>
-          </a:p>
-          <a:p>
-            <a:pPr lvl="1"/>
-            <a:r>
-              <a:rPr lang="el-GR" dirty="0"/>
-              <a:t>[</a:t>
-            </a:r>
-            <a:r>
-              <a:rPr lang="el-GR" dirty="0" err="1"/>
-              <a:t>Ονομα</a:t>
-            </a:r>
-            <a:r>
-              <a:rPr lang="el-GR" dirty="0"/>
-              <a:t> Πελάτη]:</a:t>
-            </a:r>
-          </a:p>
-          <a:p>
-            <a:pPr lvl="6"/>
-            <a:r>
-              <a:rPr lang="el-GR" dirty="0"/>
-              <a:t>23 χρονών, φοιτητής, λάτρης του οργανωμένου και του ελεύθερου κάμπινγκ</a:t>
-            </a:r>
-          </a:p>
-          <a:p>
-            <a:pPr lvl="6"/>
-            <a:r>
-              <a:rPr lang="el-GR" dirty="0"/>
-              <a:t>Προτιμάει τους χώρους οργανωμένου κάμπινγκ που μπορεί εύκολα να κάνει κράτηση σε αυτά- ακόμα και σε ώρες εκτός του συνηθισμένου  ωράριού λειτουργίας.</a:t>
-            </a:r>
-          </a:p>
-          <a:p>
-            <a:pPr lvl="6"/>
-            <a:r>
-              <a:rPr lang="el-GR" dirty="0"/>
-              <a:t>Διευκολύνεται στην επιλογή οργανωμένου κάμπινγκ όταν αναφέρουν τις υπηρεσίες που προσφέρουν, καθώς και αυτούς που διαθέτουν φωτογραφίες από τους χώρους.</a:t>
-            </a:r>
-          </a:p>
-          <a:p>
-            <a:pPr marL="1255713" lvl="6" indent="0">
-              <a:buNone/>
-            </a:pPr>
-            <a:endParaRPr lang="el-GR" dirty="0"/>
-          </a:p>
-        </p:txBody>
-      </p:sp>
-    </p:spTree>
-    <p:extLst>
-      <p:ext uri="{BB962C8B-B14F-4D97-AF65-F5344CB8AC3E}">
-        <p14:creationId xmlns:p14="http://schemas.microsoft.com/office/powerpoint/2010/main" val="4036116657"/>
-      </p:ext>
-    </p:extLst>
-  </p:cSld>
-  <p:clrMapOvr>
-    <a:masterClrMapping/>
-  </p:clrMapOvr>
-</p:sld>
-</file>
-
-<file path=ppt/slides/slide4.xml><?xml version="1.0" encoding="utf-8"?>
-<p:sld xmlns:a="http://schemas.openxmlformats.org/drawingml/2006/main" xmlns:r="http://schemas.openxmlformats.org/officeDocument/2006/relationships" xmlns:p="http://schemas.openxmlformats.org/presentationml/2006/main">
-  <p:cSld>
-    <p:spTree>
-      <p:nvGrpSpPr>
         <p:cNvPr id="1" name=""/>
         <p:cNvGrpSpPr/>
         <p:nvPr/>
@@ -3964,7 +3741,7 @@
 </p:sld>
 </file>
 
-<file path=ppt/slides/slide5.xml><?xml version="1.0" encoding="utf-8"?>
+<file path=ppt/slides/slide4.xml><?xml version="1.0" encoding="utf-8"?>
 <p:sld xmlns:a="http://schemas.openxmlformats.org/drawingml/2006/main" xmlns:r="http://schemas.openxmlformats.org/officeDocument/2006/relationships" xmlns:p="http://schemas.openxmlformats.org/presentationml/2006/main">
   <p:cSld>
     <p:spTree>
@@ -4030,7 +3807,7 @@
 </p:sld>
 </file>
 
-<file path=ppt/slides/slide6.xml><?xml version="1.0" encoding="utf-8"?>
+<file path=ppt/slides/slide5.xml><?xml version="1.0" encoding="utf-8"?>
 <p:sld xmlns:a="http://schemas.openxmlformats.org/drawingml/2006/main" xmlns:r="http://schemas.openxmlformats.org/officeDocument/2006/relationships" xmlns:p="http://schemas.openxmlformats.org/presentationml/2006/main">
   <p:cSld>
     <p:spTree>
@@ -4087,156 +3864,6 @@
     <p:extLst>
       <p:ext uri="{BB962C8B-B14F-4D97-AF65-F5344CB8AC3E}">
         <p14:creationId xmlns:p14="http://schemas.microsoft.com/office/powerpoint/2010/main" val="2144534499"/>
-      </p:ext>
-    </p:extLst>
-  </p:cSld>
-  <p:clrMapOvr>
-    <a:masterClrMapping/>
-  </p:clrMapOvr>
-</p:sld>
-</file>
-
-<file path=ppt/slides/slide7.xml><?xml version="1.0" encoding="utf-8"?>
-<p:sld xmlns:a="http://schemas.openxmlformats.org/drawingml/2006/main" xmlns:r="http://schemas.openxmlformats.org/officeDocument/2006/relationships" xmlns:p="http://schemas.openxmlformats.org/presentationml/2006/main">
-  <p:cSld>
-    <p:spTree>
-      <p:nvGrpSpPr>
-        <p:cNvPr id="1" name=""/>
-        <p:cNvGrpSpPr/>
-        <p:nvPr/>
-      </p:nvGrpSpPr>
-      <p:grpSpPr>
-        <a:xfrm>
-          <a:off x="0" y="0"/>
-          <a:ext cx="0" cy="0"/>
-          <a:chOff x="0" y="0"/>
-          <a:chExt cx="0" cy="0"/>
-        </a:xfrm>
-      </p:grpSpPr>
-      <p:pic>
-        <p:nvPicPr>
-          <p:cNvPr id="7" name="Εικόνα 6">
-            <a:extLst>
-              <a:ext uri="{FF2B5EF4-FFF2-40B4-BE49-F238E27FC236}">
-                <a16:creationId xmlns:a16="http://schemas.microsoft.com/office/drawing/2014/main" id="{0B31ABAE-1199-DBD2-C1E6-7DAEBA3B44F8}"/>
-              </a:ext>
-            </a:extLst>
-          </p:cNvPr>
-          <p:cNvPicPr>
-            <a:picLocks noChangeAspect="1"/>
-          </p:cNvPicPr>
-          <p:nvPr/>
-        </p:nvPicPr>
-        <p:blipFill>
-          <a:blip r:embed="rId2"/>
-          <a:stretch>
-            <a:fillRect/>
-          </a:stretch>
-        </p:blipFill>
-        <p:spPr>
-          <a:xfrm>
-            <a:off x="0" y="1"/>
-            <a:ext cx="9265808" cy="3429000"/>
-          </a:xfrm>
-          <a:prstGeom prst="rect">
-            <a:avLst/>
-          </a:prstGeom>
-        </p:spPr>
-      </p:pic>
-    </p:spTree>
-    <p:extLst>
-      <p:ext uri="{BB962C8B-B14F-4D97-AF65-F5344CB8AC3E}">
-        <p14:creationId xmlns:p14="http://schemas.microsoft.com/office/powerpoint/2010/main" val="1609501894"/>
-      </p:ext>
-    </p:extLst>
-  </p:cSld>
-  <p:clrMapOvr>
-    <a:masterClrMapping/>
-  </p:clrMapOvr>
-</p:sld>
-</file>
-
-<file path=ppt/slides/slide8.xml><?xml version="1.0" encoding="utf-8"?>
-<p:sld xmlns:a="http://schemas.openxmlformats.org/drawingml/2006/main" xmlns:r="http://schemas.openxmlformats.org/officeDocument/2006/relationships" xmlns:p="http://schemas.openxmlformats.org/presentationml/2006/main">
-  <p:cSld>
-    <p:spTree>
-      <p:nvGrpSpPr>
-        <p:cNvPr id="1" name=""/>
-        <p:cNvGrpSpPr/>
-        <p:nvPr/>
-      </p:nvGrpSpPr>
-      <p:grpSpPr>
-        <a:xfrm>
-          <a:off x="0" y="0"/>
-          <a:ext cx="0" cy="0"/>
-          <a:chOff x="0" y="0"/>
-          <a:chExt cx="0" cy="0"/>
-        </a:xfrm>
-      </p:grpSpPr>
-      <p:pic>
-        <p:nvPicPr>
-          <p:cNvPr id="4" name="Εικόνα 3">
-            <a:extLst>
-              <a:ext uri="{FF2B5EF4-FFF2-40B4-BE49-F238E27FC236}">
-                <a16:creationId xmlns:a16="http://schemas.microsoft.com/office/drawing/2014/main" id="{44C204A5-6535-7115-886F-1E7BBCC011B5}"/>
-              </a:ext>
-            </a:extLst>
-          </p:cNvPr>
-          <p:cNvPicPr>
-            <a:picLocks noChangeAspect="1"/>
-          </p:cNvPicPr>
-          <p:nvPr/>
-        </p:nvPicPr>
-        <p:blipFill>
-          <a:blip r:embed="rId2"/>
-          <a:stretch>
-            <a:fillRect/>
-          </a:stretch>
-        </p:blipFill>
-        <p:spPr>
-          <a:xfrm>
-            <a:off x="7188777" y="0"/>
-            <a:ext cx="5003223" cy="6858000"/>
-          </a:xfrm>
-          <a:prstGeom prst="rect">
-            <a:avLst/>
-          </a:prstGeom>
-        </p:spPr>
-      </p:pic>
-      <p:pic>
-        <p:nvPicPr>
-          <p:cNvPr id="11" name="Εικόνα 10">
-            <a:extLst>
-              <a:ext uri="{FF2B5EF4-FFF2-40B4-BE49-F238E27FC236}">
-                <a16:creationId xmlns:a16="http://schemas.microsoft.com/office/drawing/2014/main" id="{9C4A88EA-D7BB-1964-8309-5020411BE1FE}"/>
-              </a:ext>
-            </a:extLst>
-          </p:cNvPr>
-          <p:cNvPicPr>
-            <a:picLocks noChangeAspect="1"/>
-          </p:cNvPicPr>
-          <p:nvPr/>
-        </p:nvPicPr>
-        <p:blipFill>
-          <a:blip r:embed="rId3"/>
-          <a:stretch>
-            <a:fillRect/>
-          </a:stretch>
-        </p:blipFill>
-        <p:spPr>
-          <a:xfrm>
-            <a:off x="0" y="-1"/>
-            <a:ext cx="7083076" cy="4873451"/>
-          </a:xfrm>
-          <a:prstGeom prst="rect">
-            <a:avLst/>
-          </a:prstGeom>
-        </p:spPr>
-      </p:pic>
-    </p:spTree>
-    <p:extLst>
-      <p:ext uri="{BB962C8B-B14F-4D97-AF65-F5344CB8AC3E}">
-        <p14:creationId xmlns:p14="http://schemas.microsoft.com/office/powerpoint/2010/main" val="3775416344"/>
       </p:ext>
     </p:extLst>
   </p:cSld>
